--- a/geektime_0-master/itamei_api/mock/mock server-mitmproxy.pptx
+++ b/geektime_0-master/itamei_api/mock/mock server-mitmproxy.pptx
@@ -5,29 +5,28 @@
     <p:sldMasterId id="2147483648" r:id="rId1"/>
   </p:sldMasterIdLst>
   <p:notesMasterIdLst>
-    <p:notesMasterId r:id="rId7"/>
+    <p:notesMasterId r:id="rId6"/>
   </p:notesMasterIdLst>
   <p:handoutMasterIdLst>
-    <p:handoutMasterId r:id="rId10"/>
+    <p:handoutMasterId r:id="rId9"/>
   </p:handoutMasterIdLst>
   <p:sldIdLst>
     <p:sldId id="472" r:id="rId3"/>
-    <p:sldId id="447" r:id="rId4"/>
-    <p:sldId id="448" r:id="rId5"/>
-    <p:sldId id="535" r:id="rId6"/>
-    <p:sldId id="508" r:id="rId8"/>
-    <p:sldId id="499" r:id="rId9"/>
+    <p:sldId id="448" r:id="rId4"/>
+    <p:sldId id="535" r:id="rId5"/>
+    <p:sldId id="508" r:id="rId7"/>
+    <p:sldId id="499" r:id="rId8"/>
   </p:sldIdLst>
   <p:sldSz cx="12192000" cy="6858000"/>
   <p:notesSz cx="6858000" cy="9144000"/>
   <p:embeddedFontLst>
     <p:embeddedFont>
       <p:font typeface="Calibri" panose="020F0502020204030204" charset="0"/>
-      <p:regular r:id="rId15"/>
+      <p:regular r:id="rId14"/>
     </p:embeddedFont>
   </p:embeddedFontLst>
   <p:custDataLst>
-    <p:tags r:id="rId16"/>
+    <p:tags r:id="rId15"/>
   </p:custDataLst>
   <p:defaultTextStyle>
     <a:defPPr>
@@ -4766,8 +4765,8 @@
         </p:nvSpPr>
         <p:spPr>
           <a:xfrm>
-            <a:off x="3556000" y="2301240"/>
-            <a:ext cx="5080000" cy="977900"/>
+            <a:off x="1957070" y="2261235"/>
+            <a:ext cx="10234930" cy="1874520"/>
           </a:xfrm>
           <a:prstGeom prst="rect">
             <a:avLst/>
@@ -4783,6 +4782,13 @@
           </a:bodyPr>
           <a:p>
             <a:pPr indent="0"/>
+            <a:r>
+              <a:rPr lang="en-US" altLang="zh-CN" sz="5400" b="0">
+                <a:latin typeface="Calibri" panose="020F0502020204030204" charset="0"/>
+                <a:ea typeface="宋体" pitchFamily="2" charset="-122"/>
+              </a:rPr>
+              <a:t>mitmproxy-mock server</a:t>
+            </a:r>
             <a:endParaRPr lang="zh-CN" altLang="en-US" sz="5400" b="0">
               <a:latin typeface="Calibri" panose="020F0502020204030204" charset="0"/>
               <a:ea typeface="宋体" pitchFamily="2" charset="-122"/>
@@ -4831,89 +4837,91 @@
       <p:grpSpPr/>
       <p:sp>
         <p:nvSpPr>
-          <p:cNvPr id="12" name="文本框 11"/>
+          <p:cNvPr id="2" name="文本框 1"/>
           <p:cNvSpPr txBox="1"/>
           <p:nvPr/>
         </p:nvSpPr>
         <p:spPr>
           <a:xfrm>
-            <a:off x="2588260" y="810895"/>
-            <a:ext cx="7324725" cy="1993265"/>
+            <a:off x="2976245" y="1543050"/>
+            <a:ext cx="6983730" cy="1906905"/>
           </a:xfrm>
           <a:prstGeom prst="rect">
             <a:avLst/>
           </a:prstGeom>
           <a:noFill/>
-          <a:ln w="9525">
-            <a:noFill/>
-          </a:ln>
         </p:spPr>
         <p:txBody>
-          <a:bodyPr>
-            <a:noAutofit/>
+          <a:bodyPr wrap="square" rtlCol="0">
+            <a:spAutoFit/>
           </a:bodyPr>
           <a:p>
-            <a:pPr indent="0"/>
-            <a:endParaRPr lang="zh-CN" altLang="en-US" b="0">
-              <a:solidFill>
-                <a:schemeClr val="tx1"/>
-              </a:solidFill>
-              <a:ea typeface="宋体" pitchFamily="2" charset="-122"/>
-            </a:endParaRPr>
-          </a:p>
-        </p:txBody>
-      </p:sp>
-      <p:sp>
-        <p:nvSpPr>
-          <p:cNvPr id="14" name="文本框 13"/>
-          <p:cNvSpPr txBox="1"/>
-          <p:nvPr/>
-        </p:nvSpPr>
-        <p:spPr>
-          <a:xfrm>
-            <a:off x="2667635" y="4144010"/>
-            <a:ext cx="5948680" cy="1942465"/>
-          </a:xfrm>
-          <a:prstGeom prst="rect">
-            <a:avLst/>
-          </a:prstGeom>
-          <a:noFill/>
-          <a:ln w="9525">
-            <a:noFill/>
-          </a:ln>
-        </p:spPr>
-        <p:txBody>
-          <a:bodyPr>
-            <a:noAutofit/>
-          </a:bodyPr>
-          <a:p>
-            <a:pPr indent="0"/>
-            <a:r>
-              <a:rPr lang="en-US" b="0">
-                <a:solidFill>
-                  <a:srgbClr val="4D4D4D"/>
-                </a:solidFill>
-                <a:latin typeface="Arial" panose="020B0604020202020204" pitchFamily="34" charset="0"/>
-                <a:ea typeface="宋体" pitchFamily="2" charset="-122"/>
-              </a:rPr>
-              <a:t>- </a:t>
-            </a:r>
-            <a:endParaRPr lang="zh-CN" b="0">
-              <a:solidFill>
-                <a:srgbClr val="4D4D4D"/>
-              </a:solidFill>
-              <a:ea typeface="宋体" pitchFamily="2" charset="-122"/>
-            </a:endParaRPr>
-          </a:p>
-          <a:p>
-            <a:pPr indent="0"/>
-            <a:endParaRPr lang="zh-CN" altLang="en-US" b="0">
-              <a:solidFill>
-                <a:schemeClr val="tx1"/>
-              </a:solidFill>
-              <a:ea typeface="宋体" pitchFamily="2" charset="-122"/>
-            </a:endParaRPr>
+            <a:pPr algn="l"/>
+            <a:r>
+              <a:rPr lang="zh-CN" altLang="en-US" sz="2800"/>
+              <a:t>优秀代理工具必备特性</a:t>
+            </a:r>
+            <a:endParaRPr lang="zh-CN" altLang="en-US" sz="2800"/>
+          </a:p>
+          <a:p>
+            <a:pPr algn="l"/>
+            <a:r>
+              <a:rPr lang="en-US" altLang="zh-CN"/>
+              <a:t>1</a:t>
+            </a:r>
+            <a:r>
+              <a:rPr lang="zh-CN" altLang="en-US"/>
+              <a:t>、代理功能：HTTP/HTTPs、SOCKS5</a:t>
+            </a:r>
+            <a:endParaRPr lang="zh-CN" altLang="en-US"/>
+          </a:p>
+          <a:p>
+            <a:pPr algn="l"/>
+            <a:r>
+              <a:rPr lang="en-US" altLang="zh-CN"/>
+              <a:t>2</a:t>
+            </a:r>
+            <a:r>
+              <a:rPr lang="zh-CN" altLang="en-US"/>
+              <a:t>、请求模拟工具：拼装请求、重放请求，重复请求</a:t>
+            </a:r>
+            <a:endParaRPr lang="zh-CN" altLang="en-US"/>
+          </a:p>
+          <a:p>
+            <a:pPr algn="l"/>
+            <a:r>
+              <a:rPr lang="en-US" altLang="zh-CN"/>
+              <a:t>3</a:t>
+            </a:r>
+            <a:r>
+              <a:rPr lang="zh-CN" altLang="en-US"/>
+              <a:t>、网络环境模拟：限速、超时、返回异常</a:t>
+            </a:r>
+            <a:endParaRPr lang="zh-CN" altLang="en-US"/>
+          </a:p>
+          <a:p>
+            <a:pPr algn="l"/>
+            <a:r>
+              <a:rPr lang="en-US" altLang="zh-CN"/>
+              <a:t>4</a:t>
+            </a:r>
+            <a:r>
+              <a:rPr lang="zh-CN" altLang="en-US"/>
+              <a:t>、Mock：请求修改、响应修改</a:t>
+            </a:r>
+            <a:endParaRPr lang="zh-CN" altLang="en-US"/>
+          </a:p>
+          <a:p>
+            <a:pPr algn="l"/>
+            <a:r>
+              <a:rPr lang="en-US" altLang="zh-CN"/>
+              <a:t>5</a:t>
+            </a:r>
+            <a:r>
+              <a:rPr lang="zh-CN" altLang="en-US"/>
+              <a:t>、Fake：用测试环境替代真实环境</a:t>
+            </a:r>
+            <a:endParaRPr lang="zh-CN" altLang="en-US"/>
           </a:p>
         </p:txBody>
       </p:sp>
@@ -4936,45 +4944,6 @@
 </file>
 
 <file path=ppt/slides/slide3.xml><?xml version="1.0" encoding="utf-8"?>
-<p:sld xmlns:a="http://schemas.openxmlformats.org/drawingml/2006/main" xmlns:r="http://schemas.openxmlformats.org/officeDocument/2006/relationships" xmlns:p="http://schemas.openxmlformats.org/presentationml/2006/main">
-  <p:cSld>
-    <p:bg>
-      <p:bgPr>
-        <a:blipFill rotWithShape="1">
-          <a:blip r:embed="rId1"/>
-          <a:stretch>
-            <a:fillRect/>
-          </a:stretch>
-        </a:blipFill>
-        <a:effectLst/>
-      </p:bgPr>
-    </p:bg>
-    <p:spTree>
-      <p:nvGrpSpPr>
-        <p:cNvPr id="1" name=""/>
-        <p:cNvGrpSpPr/>
-        <p:nvPr/>
-      </p:nvGrpSpPr>
-      <p:grpSpPr/>
-    </p:spTree>
-    <p:custDataLst>
-      <p:tags r:id="rId2"/>
-    </p:custDataLst>
-  </p:cSld>
-  <p:clrMapOvr>
-    <a:masterClrMapping/>
-  </p:clrMapOvr>
-  <p:timing>
-    <p:tnLst>
-      <p:par>
-        <p:cTn id="1" dur="indefinite" restart="never" nodeType="tmRoot"/>
-      </p:par>
-    </p:tnLst>
-  </p:timing>
-</p:sld>
-</file>
-
-<file path=ppt/slides/slide4.xml><?xml version="1.0" encoding="utf-8"?>
 <p:sld xmlns:a="http://schemas.openxmlformats.org/drawingml/2006/main" xmlns:r="http://schemas.openxmlformats.org/officeDocument/2006/relationships" xmlns:p="http://schemas.openxmlformats.org/presentationml/2006/main">
   <p:cSld>
     <p:bg>
@@ -5002,6 +4971,136 @@
           <a:chExt cx="0" cy="0"/>
         </a:xfrm>
       </p:grpSpPr>
+      <p:sp>
+        <p:nvSpPr>
+          <p:cNvPr id="2" name="文本框 1"/>
+          <p:cNvSpPr txBox="1"/>
+          <p:nvPr/>
+        </p:nvSpPr>
+        <p:spPr>
+          <a:xfrm>
+            <a:off x="1203325" y="1859915"/>
+            <a:ext cx="12139930" cy="3291840"/>
+          </a:xfrm>
+          <a:prstGeom prst="rect">
+            <a:avLst/>
+          </a:prstGeom>
+          <a:noFill/>
+        </p:spPr>
+        <p:txBody>
+          <a:bodyPr wrap="square" rtlCol="0">
+            <a:spAutoFit/>
+          </a:bodyPr>
+          <a:p>
+            <a:pPr algn="l"/>
+            <a:r>
+              <a:rPr lang="en-US" altLang="zh-CN" sz="2800"/>
+              <a:t>Mock</a:t>
+            </a:r>
+            <a:r>
+              <a:rPr lang="zh-CN" altLang="en-US" sz="2800"/>
+              <a:t>分类</a:t>
+            </a:r>
+            <a:endParaRPr lang="zh-CN" altLang="en-US" sz="2800"/>
+          </a:p>
+          <a:p>
+            <a:pPr algn="l"/>
+            <a:r>
+              <a:rPr lang="zh-CN" altLang="en-US"/>
+              <a:t>Stub：用简单实现替代真实服务，无法在测试中进行动态变更，比较死板</a:t>
+            </a:r>
+            <a:endParaRPr lang="zh-CN" altLang="en-US"/>
+          </a:p>
+          <a:p>
+            <a:pPr algn="l"/>
+            <a:r>
+              <a:rPr lang="en-US" altLang="zh-CN"/>
+              <a:t>	</a:t>
+            </a:r>
+            <a:r>
+              <a:rPr lang="zh-CN" altLang="en-US"/>
+              <a:t>charles mirror + map local构建cache server</a:t>
+            </a:r>
+            <a:endParaRPr lang="zh-CN" altLang="en-US"/>
+          </a:p>
+          <a:p>
+            <a:pPr algn="l"/>
+            <a:r>
+              <a:rPr lang="zh-CN" altLang="en-US"/>
+              <a:t>Proxy：使用代理协议转发请求并返回真实内容，可以抓发、监听、甚至修改</a:t>
+            </a:r>
+            <a:endParaRPr lang="zh-CN" altLang="en-US"/>
+          </a:p>
+          <a:p>
+            <a:pPr algn="l"/>
+            <a:r>
+              <a:rPr lang="zh-CN" altLang="en-US"/>
+              <a:t>Fake：用假的实现代替真的实现，实现功能与真的基本一致，比 stub 更强大。</a:t>
+            </a:r>
+            <a:endParaRPr lang="zh-CN" altLang="en-US"/>
+          </a:p>
+          <a:p>
+            <a:pPr algn="l"/>
+            <a:r>
+              <a:rPr lang="en-US" altLang="zh-CN"/>
+              <a:t>	</a:t>
+            </a:r>
+            <a:r>
+              <a:rPr lang="zh-CN" altLang="en-US"/>
+              <a:t>缺点：太复杂，相当于虚构一整套服务</a:t>
+            </a:r>
+            <a:endParaRPr lang="zh-CN" altLang="en-US"/>
+          </a:p>
+          <a:p>
+            <a:pPr algn="l"/>
+            <a:r>
+              <a:rPr lang="zh-CN" altLang="en-US"/>
+              <a:t>Mock：可以根据测试场景动态修改被调用方的返回</a:t>
+            </a:r>
+            <a:endParaRPr lang="zh-CN" altLang="en-US"/>
+          </a:p>
+          <a:p>
+            <a:pPr algn="l"/>
+            <a:r>
+              <a:rPr lang="zh-CN" altLang="en-US"/>
+              <a:t>         Mock on stub：直接转发并修改数据 https://github.com/dreamhead/moco </a:t>
+            </a:r>
+            <a:endParaRPr lang="zh-CN" altLang="en-US"/>
+          </a:p>
+          <a:p>
+            <a:pPr algn="l"/>
+            <a:r>
+              <a:rPr lang="en-US" altLang="zh-CN"/>
+              <a:t>	</a:t>
+            </a:r>
+            <a:r>
+              <a:rPr lang="zh-CN" altLang="en-US"/>
+              <a:t>缺点：不能从真实响应上修改</a:t>
+            </a:r>
+            <a:endParaRPr lang="zh-CN" altLang="en-US"/>
+          </a:p>
+          <a:p>
+            <a:pPr algn="l"/>
+            <a:r>
+              <a:rPr lang="zh-CN" altLang="en-US"/>
+              <a:t>         Mock on proxy：利用代理转发并修改数据 </a:t>
+            </a:r>
+            <a:endParaRPr lang="zh-CN" altLang="en-US"/>
+          </a:p>
+          <a:p>
+            <a:pPr algn="l"/>
+            <a:r>
+              <a:rPr lang="en-US" altLang="zh-CN"/>
+              <a:t>	</a:t>
+            </a:r>
+            <a:r>
+              <a:rPr lang="zh-CN" altLang="en-US"/>
+              <a:t>mitmproxy可以进行编程，charles不能进行编程</a:t>
+            </a:r>
+            <a:endParaRPr lang="zh-CN" altLang="en-US"/>
+          </a:p>
+        </p:txBody>
+      </p:sp>
     </p:spTree>
     <p:custDataLst>
       <p:tags r:id="rId2"/>
@@ -5032,7 +5131,7 @@
 </p:sld>
 </file>
 
-<file path=ppt/slides/slide5.xml><?xml version="1.0" encoding="utf-8"?>
+<file path=ppt/slides/slide4.xml><?xml version="1.0" encoding="utf-8"?>
 <p:sld xmlns:a="http://schemas.openxmlformats.org/drawingml/2006/main" xmlns:r="http://schemas.openxmlformats.org/officeDocument/2006/relationships" xmlns:p="http://schemas.openxmlformats.org/presentationml/2006/main">
   <p:cSld>
     <p:bg>
@@ -5907,6 +6006,144 @@
           </a:p>
         </p:txBody>
       </p:sp>
+      <p:sp>
+        <p:nvSpPr>
+          <p:cNvPr id="2" name="文本框 1"/>
+          <p:cNvSpPr txBox="1"/>
+          <p:nvPr/>
+        </p:nvSpPr>
+        <p:spPr>
+          <a:xfrm>
+            <a:off x="2141220" y="2213610"/>
+            <a:ext cx="6888480" cy="3846195"/>
+          </a:xfrm>
+          <a:prstGeom prst="rect">
+            <a:avLst/>
+          </a:prstGeom>
+          <a:noFill/>
+        </p:spPr>
+        <p:txBody>
+          <a:bodyPr wrap="none" rtlCol="0">
+            <a:spAutoFit/>
+          </a:bodyPr>
+          <a:p>
+            <a:pPr algn="l"/>
+            <a:r>
+              <a:rPr lang="en-US" altLang="zh-CN" sz="2800"/>
+              <a:t>mimtproxy</a:t>
+            </a:r>
+            <a:r>
+              <a:rPr lang="zh-CN" altLang="en-US" sz="2800"/>
+              <a:t>安装</a:t>
+            </a:r>
+            <a:endParaRPr lang="zh-CN" altLang="en-US" sz="2800"/>
+          </a:p>
+          <a:p>
+            <a:pPr algn="l"/>
+            <a:r>
+              <a:rPr lang="zh-CN" altLang="en-US"/>
+              <a:t>官网：https://mitmproxy.org/</a:t>
+            </a:r>
+            <a:endParaRPr lang="zh-CN" altLang="en-US"/>
+          </a:p>
+          <a:p>
+            <a:pPr algn="l"/>
+            <a:r>
+              <a:rPr lang="en-US" altLang="zh-CN"/>
+              <a:t>mac</a:t>
+            </a:r>
+            <a:r>
+              <a:rPr lang="zh-CN" altLang="en-US"/>
+              <a:t>安装：</a:t>
+            </a:r>
+            <a:endParaRPr lang="zh-CN" altLang="en-US"/>
+          </a:p>
+          <a:p>
+            <a:pPr algn="l"/>
+            <a:r>
+              <a:rPr lang="en-US" altLang="zh-CN"/>
+              <a:t>	</a:t>
+            </a:r>
+            <a:r>
+              <a:rPr lang="zh-CN" altLang="en-US"/>
+              <a:t>brew install mitmproxy</a:t>
+            </a:r>
+            <a:endParaRPr lang="zh-CN" altLang="en-US"/>
+          </a:p>
+          <a:p>
+            <a:pPr algn="l"/>
+            <a:r>
+              <a:rPr lang="en-US" altLang="zh-CN"/>
+              <a:t>windows</a:t>
+            </a:r>
+            <a:r>
+              <a:rPr lang="zh-CN" altLang="en-US"/>
+              <a:t>安装：</a:t>
+            </a:r>
+            <a:endParaRPr lang="zh-CN" altLang="en-US"/>
+          </a:p>
+          <a:p>
+            <a:pPr algn="l"/>
+            <a:r>
+              <a:rPr lang="zh-CN" altLang="en-US"/>
+              <a:t>方式一：pip 安装</a:t>
+            </a:r>
+            <a:endParaRPr lang="zh-CN" altLang="en-US"/>
+          </a:p>
+          <a:p>
+            <a:pPr algn="l"/>
+            <a:r>
+              <a:rPr lang="zh-CN" altLang="en-US"/>
+              <a:t>pip install mitmproxy</a:t>
+            </a:r>
+            <a:endParaRPr lang="zh-CN" altLang="en-US"/>
+          </a:p>
+          <a:p>
+            <a:pPr algn="l"/>
+            <a:endParaRPr lang="zh-CN" altLang="en-US"/>
+          </a:p>
+          <a:p>
+            <a:pPr algn="l"/>
+            <a:r>
+              <a:rPr lang="zh-CN" altLang="en-US"/>
+              <a:t>方式二：官网下载： https://mitmproxy.org/ 解压安装即可</a:t>
+            </a:r>
+            <a:endParaRPr lang="zh-CN" altLang="en-US"/>
+          </a:p>
+          <a:p>
+            <a:pPr algn="l"/>
+            <a:endParaRPr lang="zh-CN" altLang="en-US"/>
+          </a:p>
+          <a:p>
+            <a:pPr algn="l"/>
+            <a:r>
+              <a:rPr lang="zh-CN" altLang="en-US"/>
+              <a:t>安装证书：https://docs.mitmproxy.org/stable/concepts-certificates/</a:t>
+            </a:r>
+            <a:endParaRPr lang="zh-CN" altLang="en-US"/>
+          </a:p>
+          <a:p>
+            <a:pPr algn="l"/>
+            <a:r>
+              <a:rPr lang="zh-CN" altLang="en-US"/>
+              <a:t>命令行输入：mitmdump，默认</a:t>
+            </a:r>
+            <a:r>
+              <a:rPr lang="zh-CN" altLang="en-US"/>
+              <a:t>端口8080</a:t>
+            </a:r>
+            <a:endParaRPr lang="zh-CN" altLang="en-US"/>
+          </a:p>
+          <a:p>
+            <a:pPr algn="l"/>
+            <a:r>
+              <a:rPr lang="zh-CN" altLang="en-US"/>
+              <a:t>系统浏览器访问：mitm.it 下载证书</a:t>
+            </a:r>
+            <a:endParaRPr lang="zh-CN" altLang="en-US"/>
+          </a:p>
+        </p:txBody>
+      </p:sp>
     </p:spTree>
     <p:custDataLst>
       <p:tags r:id="rId2"/>
@@ -5925,7 +6162,7 @@
 </p:sld>
 </file>
 
-<file path=ppt/slides/slide6.xml><?xml version="1.0" encoding="utf-8"?>
+<file path=ppt/slides/slide5.xml><?xml version="1.0" encoding="utf-8"?>
 <p:sld xmlns:a="http://schemas.openxmlformats.org/drawingml/2006/main" xmlns:r="http://schemas.openxmlformats.org/officeDocument/2006/relationships" xmlns:p="http://schemas.openxmlformats.org/presentationml/2006/main">
   <p:cSld>
     <p:bg>
@@ -6766,6 +7003,85 @@
           </p:txBody>
         </p:sp>
       </p:grpSp>
+      <p:sp>
+        <p:nvSpPr>
+          <p:cNvPr id="2" name="文本框 1"/>
+          <p:cNvSpPr txBox="1"/>
+          <p:nvPr/>
+        </p:nvSpPr>
+        <p:spPr>
+          <a:xfrm>
+            <a:off x="3001645" y="1948180"/>
+            <a:ext cx="4627880" cy="922020"/>
+          </a:xfrm>
+          <a:prstGeom prst="rect">
+            <a:avLst/>
+          </a:prstGeom>
+          <a:noFill/>
+        </p:spPr>
+        <p:txBody>
+          <a:bodyPr wrap="none" rtlCol="0">
+            <a:spAutoFit/>
+          </a:bodyPr>
+          <a:p>
+            <a:r>
+              <a:rPr lang="en-US" altLang="zh-CN"/>
+              <a:t>mitmproxy+python</a:t>
+            </a:r>
+            <a:r>
+              <a:rPr lang="zh-CN" altLang="en-US"/>
+              <a:t>脚本</a:t>
+            </a:r>
+            <a:r>
+              <a:rPr lang="en-US" altLang="zh-CN"/>
+              <a:t> --&gt;mock server  </a:t>
+            </a:r>
+            <a:endParaRPr lang="en-US" altLang="zh-CN"/>
+          </a:p>
+          <a:p>
+            <a:r>
+              <a:rPr lang="en-US" altLang="zh-CN"/>
+              <a:t>	</a:t>
+            </a:r>
+            <a:r>
+              <a:rPr lang="zh-CN" altLang="en-US"/>
+              <a:t>重写两个方法：</a:t>
+            </a:r>
+            <a:r>
+              <a:rPr lang="en-US" altLang="zh-CN"/>
+              <a:t>request</a:t>
+            </a:r>
+            <a:r>
+              <a:rPr lang="zh-CN" altLang="en-US"/>
+              <a:t>，</a:t>
+            </a:r>
+            <a:r>
+              <a:rPr lang="en-US" altLang="zh-CN"/>
+              <a:t>response</a:t>
+            </a:r>
+            <a:endParaRPr lang="en-US" altLang="zh-CN"/>
+          </a:p>
+          <a:p>
+            <a:r>
+              <a:rPr lang="en-US" altLang="zh-CN"/>
+              <a:t>mitmdump -p </a:t>
+            </a:r>
+            <a:r>
+              <a:rPr lang="zh-CN" altLang="en-US"/>
+              <a:t>端口</a:t>
+            </a:r>
+            <a:r>
+              <a:rPr lang="en-US" altLang="zh-CN"/>
+              <a:t> -s python</a:t>
+            </a:r>
+            <a:r>
+              <a:rPr lang="zh-CN" altLang="en-US"/>
+              <a:t>脚本</a:t>
+            </a:r>
+            <a:endParaRPr lang="zh-CN" altLang="en-US"/>
+          </a:p>
+        </p:txBody>
+      </p:sp>
     </p:spTree>
     <p:custDataLst>
       <p:tags r:id="rId2"/>
@@ -7562,15 +7878,15 @@
 
 <file path=ppt/tags/tag64.xml><?xml version="1.0" encoding="utf-8"?>
 <p:tagLst xmlns:p="http://schemas.openxmlformats.org/presentationml/2006/main">
+  <p:tag name="KSO_WM_SPECIAL_SOURCE" val="bdnull"/>
+</p:tagLst>
+</file>
+
+<file path=ppt/tags/tag65.xml><?xml version="1.0" encoding="utf-8"?>
+<p:tagLst xmlns:p="http://schemas.openxmlformats.org/presentationml/2006/main">
   <p:tag name="KSO_WM_BEAUTIFY_FLAG" val="#wm#"/>
   <p:tag name="KSO_WM_TEMPLATE_CATEGORY" val="custom"/>
   <p:tag name="KSO_WM_TEMPLATE_INDEX" val="20205081"/>
-  <p:tag name="KSO_WM_SPECIAL_SOURCE" val="bdnull"/>
-</p:tagLst>
-</file>
-
-<file path=ppt/tags/tag65.xml><?xml version="1.0" encoding="utf-8"?>
-<p:tagLst xmlns:p="http://schemas.openxmlformats.org/presentationml/2006/main">
   <p:tag name="KSO_WM_SPECIAL_SOURCE" val="bdnull"/>
 </p:tagLst>
 </file>
@@ -7585,15 +7901,6 @@
 </file>
 
 <file path=ppt/tags/tag67.xml><?xml version="1.0" encoding="utf-8"?>
-<p:tagLst xmlns:p="http://schemas.openxmlformats.org/presentationml/2006/main">
-  <p:tag name="KSO_WM_BEAUTIFY_FLAG" val="#wm#"/>
-  <p:tag name="KSO_WM_TEMPLATE_CATEGORY" val="custom"/>
-  <p:tag name="KSO_WM_TEMPLATE_INDEX" val="20205081"/>
-  <p:tag name="KSO_WM_SPECIAL_SOURCE" val="bdnull"/>
-</p:tagLst>
-</file>
-
-<file path=ppt/tags/tag68.xml><?xml version="1.0" encoding="utf-8"?>
 <p:tagLst xmlns:p="http://schemas.openxmlformats.org/presentationml/2006/main">
   <p:tag name="KSO_WPP_MARK_KEY" val="a95cd925-9532-4160-ba57-b57270b38600"/>
   <p:tag name="COMMONDATA" val="eyJjb3VudCI6MjIsImhkaWQiOiI3MjczNDE4YTVkN2M2OWMwODc2Zjk5ZTI2MWEyMzlhYiIsInVzZXJDb3VudCI6MjJ9"/>

--- a/geektime_0-master/itamei_api/mock/mock server-mitmproxy.pptx
+++ b/geektime_0-master/itamei_api/mock/mock server-mitmproxy.pptx
@@ -7012,7 +7012,7 @@
         <p:spPr>
           <a:xfrm>
             <a:off x="3001645" y="1948180"/>
-            <a:ext cx="4627880" cy="922020"/>
+            <a:ext cx="4627880" cy="2861310"/>
           </a:xfrm>
           <a:prstGeom prst="rect">
             <a:avLst/>
@@ -7024,6 +7024,7 @@
             <a:spAutoFit/>
           </a:bodyPr>
           <a:p>
+            <a:pPr algn="l"/>
             <a:r>
               <a:rPr lang="en-US" altLang="zh-CN"/>
               <a:t>mitmproxy+python</a:t>
@@ -7039,6 +7040,7 @@
             <a:endParaRPr lang="en-US" altLang="zh-CN"/>
           </a:p>
           <a:p>
+            <a:pPr algn="l"/>
             <a:r>
               <a:rPr lang="en-US" altLang="zh-CN"/>
               <a:t>	</a:t>
@@ -7062,6 +7064,7 @@
             <a:endParaRPr lang="en-US" altLang="zh-CN"/>
           </a:p>
           <a:p>
+            <a:pPr algn="l"/>
             <a:r>
               <a:rPr lang="en-US" altLang="zh-CN"/>
               <a:t>mitmdump -p </a:t>
@@ -7077,6 +7080,54 @@
             <a:r>
               <a:rPr lang="zh-CN" altLang="en-US"/>
               <a:t>脚本</a:t>
+            </a:r>
+            <a:endParaRPr lang="zh-CN" altLang="en-US"/>
+          </a:p>
+          <a:p>
+            <a:pPr algn="l"/>
+            <a:endParaRPr lang="zh-CN" altLang="en-US"/>
+          </a:p>
+          <a:p>
+            <a:pPr algn="l"/>
+            <a:endParaRPr lang="zh-CN" altLang="en-US"/>
+          </a:p>
+          <a:p>
+            <a:pPr algn="l"/>
+            <a:r>
+              <a:rPr lang="zh-CN" altLang="en-US"/>
+              <a:t>应用场景</a:t>
+            </a:r>
+            <a:endParaRPr lang="zh-CN" altLang="en-US"/>
+          </a:p>
+          <a:p>
+            <a:pPr algn="l"/>
+            <a:r>
+              <a:rPr lang="zh-CN" altLang="en-US"/>
+              <a:t>   手工测试mock</a:t>
+            </a:r>
+            <a:endParaRPr lang="zh-CN" altLang="en-US"/>
+          </a:p>
+          <a:p>
+            <a:pPr algn="l"/>
+            <a:r>
+              <a:rPr lang="zh-CN" altLang="en-US"/>
+              <a:t>   异常测试/健壮性测试</a:t>
+            </a:r>
+            <a:endParaRPr lang="zh-CN" altLang="en-US"/>
+          </a:p>
+          <a:p>
+            <a:pPr algn="l"/>
+            <a:r>
+              <a:rPr lang="zh-CN" altLang="en-US"/>
+              <a:t>   弱网测试</a:t>
+            </a:r>
+            <a:endParaRPr lang="zh-CN" altLang="en-US"/>
+          </a:p>
+          <a:p>
+            <a:pPr algn="l"/>
+            <a:r>
+              <a:rPr lang="zh-CN" altLang="en-US"/>
+              <a:t>   用例自动生成</a:t>
             </a:r>
             <a:endParaRPr lang="zh-CN" altLang="en-US"/>
           </a:p>
